--- a/ВКР_Колодяжный_Презентация.pptx
+++ b/ВКР_Колодяжный_Презентация.pptx
@@ -16123,7 +16123,7 @@
           <a:p>
             <a:fld id="{6086DE36-9959-4CAD-A24E-990E714F8550}" type="datetimeFigureOut">
               <a:rPr lang="en-US" smtClean="0"/>
-              <a:t>6/12/2023</a:t>
+              <a:t>6/13/2023</a:t>
             </a:fld>
             <a:endParaRPr lang="en-US"/>
           </a:p>
@@ -16540,7 +16540,7 @@
           <a:p>
             <a:fld id="{0C1E1BDA-6AE4-4D74-99F8-AC79D1C06369}" type="datetime1">
               <a:rPr lang="en-US" smtClean="0"/>
-              <a:t>6/12/2023</a:t>
+              <a:t>6/13/2023</a:t>
             </a:fld>
             <a:endParaRPr lang="en-US"/>
           </a:p>
@@ -16740,7 +16740,7 @@
           <a:p>
             <a:fld id="{A7EFD0D0-F2A9-47C8-800E-1902880540E2}" type="datetime1">
               <a:rPr lang="en-US" smtClean="0"/>
-              <a:t>6/12/2023</a:t>
+              <a:t>6/13/2023</a:t>
             </a:fld>
             <a:endParaRPr lang="en-US"/>
           </a:p>
@@ -16950,7 +16950,7 @@
           <a:p>
             <a:fld id="{C33844D4-6787-4DF3-AA59-2028285512AE}" type="datetime1">
               <a:rPr lang="en-US" smtClean="0"/>
-              <a:t>6/12/2023</a:t>
+              <a:t>6/13/2023</a:t>
             </a:fld>
             <a:endParaRPr lang="en-US"/>
           </a:p>
@@ -17150,7 +17150,7 @@
           <a:p>
             <a:fld id="{D3F7C64F-0345-4B17-B68A-3968DF85BCD8}" type="datetime1">
               <a:rPr lang="en-US" smtClean="0"/>
-              <a:t>6/12/2023</a:t>
+              <a:t>6/13/2023</a:t>
             </a:fld>
             <a:endParaRPr lang="en-US"/>
           </a:p>
@@ -17426,7 +17426,7 @@
           <a:p>
             <a:fld id="{B2B62A45-5416-42CE-9F1F-2D811FB99AEC}" type="datetime1">
               <a:rPr lang="en-US" smtClean="0"/>
-              <a:t>6/12/2023</a:t>
+              <a:t>6/13/2023</a:t>
             </a:fld>
             <a:endParaRPr lang="en-US"/>
           </a:p>
@@ -17694,7 +17694,7 @@
           <a:p>
             <a:fld id="{A69C649D-825F-4BD3-99FB-5F6AE9870D00}" type="datetime1">
               <a:rPr lang="en-US" smtClean="0"/>
-              <a:t>6/12/2023</a:t>
+              <a:t>6/13/2023</a:t>
             </a:fld>
             <a:endParaRPr lang="en-US"/>
           </a:p>
@@ -18109,7 +18109,7 @@
           <a:p>
             <a:fld id="{7D42CD41-0AED-495C-ACE5-1CD3C4D3D68E}" type="datetime1">
               <a:rPr lang="en-US" smtClean="0"/>
-              <a:t>6/12/2023</a:t>
+              <a:t>6/13/2023</a:t>
             </a:fld>
             <a:endParaRPr lang="en-US"/>
           </a:p>
@@ -18251,7 +18251,7 @@
           <a:p>
             <a:fld id="{011BBE92-D3CD-4818-ADA8-29C06814323C}" type="datetime1">
               <a:rPr lang="en-US" smtClean="0"/>
-              <a:t>6/12/2023</a:t>
+              <a:t>6/13/2023</a:t>
             </a:fld>
             <a:endParaRPr lang="en-US"/>
           </a:p>
@@ -18364,7 +18364,7 @@
           <a:p>
             <a:fld id="{6E0C1CA9-97DC-4DC4-8A02-866C1B1BD3F1}" type="datetime1">
               <a:rPr lang="en-US" smtClean="0"/>
-              <a:t>6/12/2023</a:t>
+              <a:t>6/13/2023</a:t>
             </a:fld>
             <a:endParaRPr lang="en-US"/>
           </a:p>
@@ -18677,7 +18677,7 @@
           <a:p>
             <a:fld id="{CF50F629-7657-47EE-BD85-0880BF600E5E}" type="datetime1">
               <a:rPr lang="en-US" smtClean="0"/>
-              <a:t>6/12/2023</a:t>
+              <a:t>6/13/2023</a:t>
             </a:fld>
             <a:endParaRPr lang="en-US"/>
           </a:p>
@@ -18966,7 +18966,7 @@
           <a:p>
             <a:fld id="{5B569A6F-E5B9-4FD1-AA92-70EC1AE568F0}" type="datetime1">
               <a:rPr lang="en-US" smtClean="0"/>
-              <a:t>6/12/2023</a:t>
+              <a:t>6/13/2023</a:t>
             </a:fld>
             <a:endParaRPr lang="en-US"/>
           </a:p>
@@ -19209,7 +19209,7 @@
           <a:p>
             <a:fld id="{2E33CC0C-3B8F-451C-8DCC-F155B7AAE44F}" type="datetime1">
               <a:rPr lang="en-US" smtClean="0"/>
-              <a:t>6/12/2023</a:t>
+              <a:t>6/13/2023</a:t>
             </a:fld>
             <a:endParaRPr lang="en-US"/>
           </a:p>
@@ -26527,8 +26527,8 @@
         </p:blipFill>
         <p:spPr bwMode="auto">
           <a:xfrm>
-            <a:off x="2964143" y="653292"/>
-            <a:ext cx="6263713" cy="6119830"/>
+            <a:off x="2964143" y="704160"/>
+            <a:ext cx="6263713" cy="6068962"/>
           </a:xfrm>
           <a:prstGeom prst="rect">
             <a:avLst/>
@@ -26565,6 +26565,436 @@
               <a:t>4</a:t>
             </a:fld>
             <a:endParaRPr lang="en-US"/>
+          </a:p>
+        </p:txBody>
+      </p:sp>
+      <p:sp>
+        <p:nvSpPr>
+          <p:cNvPr id="4" name="TextBox 3">
+            <a:extLst>
+              <a:ext uri="{FF2B5EF4-FFF2-40B4-BE49-F238E27FC236}">
+                <a16:creationId xmlns:a16="http://schemas.microsoft.com/office/drawing/2014/main" id="{E8485FF7-7852-E2E2-CA9C-675CB7356BB2}"/>
+              </a:ext>
+            </a:extLst>
+          </p:cNvPr>
+          <p:cNvSpPr txBox="1"/>
+          <p:nvPr/>
+        </p:nvSpPr>
+        <p:spPr>
+          <a:xfrm>
+            <a:off x="2678444" y="530242"/>
+            <a:ext cx="1654011" cy="553998"/>
+          </a:xfrm>
+          <a:prstGeom prst="rect">
+            <a:avLst/>
+          </a:prstGeom>
+          <a:solidFill>
+            <a:schemeClr val="bg1"/>
+          </a:solidFill>
+        </p:spPr>
+        <p:txBody>
+          <a:bodyPr wrap="square" rtlCol="0">
+            <a:spAutoFit/>
+          </a:bodyPr>
+          <a:lstStyle/>
+          <a:p>
+            <a:pPr algn="ctr"/>
+            <a:r>
+              <a:rPr lang="ru-RU" sz="1500" b="1" dirty="0"/>
+              <a:t>Поток получения имен</a:t>
+            </a:r>
+            <a:endParaRPr lang="en-US" sz="1500" b="1" dirty="0"/>
+          </a:p>
+        </p:txBody>
+      </p:sp>
+      <p:sp>
+        <p:nvSpPr>
+          <p:cNvPr id="6" name="TextBox 5">
+            <a:extLst>
+              <a:ext uri="{FF2B5EF4-FFF2-40B4-BE49-F238E27FC236}">
+                <a16:creationId xmlns:a16="http://schemas.microsoft.com/office/drawing/2014/main" id="{E4752A30-C3DA-EC19-2BA8-C741B0B2771C}"/>
+              </a:ext>
+            </a:extLst>
+          </p:cNvPr>
+          <p:cNvSpPr txBox="1"/>
+          <p:nvPr/>
+        </p:nvSpPr>
+        <p:spPr>
+          <a:xfrm>
+            <a:off x="4618154" y="530242"/>
+            <a:ext cx="1654011" cy="553998"/>
+          </a:xfrm>
+          <a:prstGeom prst="rect">
+            <a:avLst/>
+          </a:prstGeom>
+          <a:solidFill>
+            <a:schemeClr val="bg1"/>
+          </a:solidFill>
+        </p:spPr>
+        <p:txBody>
+          <a:bodyPr wrap="square" rtlCol="0">
+            <a:spAutoFit/>
+          </a:bodyPr>
+          <a:lstStyle/>
+          <a:p>
+            <a:pPr algn="ctr"/>
+            <a:r>
+              <a:rPr lang="ru-RU" sz="1500" b="1" dirty="0"/>
+              <a:t>Поток получения списка чатов</a:t>
+            </a:r>
+            <a:endParaRPr lang="en-US" sz="1500" b="1" dirty="0"/>
+          </a:p>
+        </p:txBody>
+      </p:sp>
+      <p:sp>
+        <p:nvSpPr>
+          <p:cNvPr id="7" name="TextBox 6">
+            <a:extLst>
+              <a:ext uri="{FF2B5EF4-FFF2-40B4-BE49-F238E27FC236}">
+                <a16:creationId xmlns:a16="http://schemas.microsoft.com/office/drawing/2014/main" id="{7BEC77F5-51E2-7A63-9738-8C7B7F0E4FE5}"/>
+              </a:ext>
+            </a:extLst>
+          </p:cNvPr>
+          <p:cNvSpPr txBox="1"/>
+          <p:nvPr/>
+        </p:nvSpPr>
+        <p:spPr>
+          <a:xfrm>
+            <a:off x="6843562" y="704160"/>
+            <a:ext cx="1654011" cy="323165"/>
+          </a:xfrm>
+          <a:prstGeom prst="rect">
+            <a:avLst/>
+          </a:prstGeom>
+          <a:solidFill>
+            <a:schemeClr val="bg1"/>
+          </a:solidFill>
+        </p:spPr>
+        <p:txBody>
+          <a:bodyPr wrap="square" rtlCol="0">
+            <a:spAutoFit/>
+          </a:bodyPr>
+          <a:lstStyle/>
+          <a:p>
+            <a:pPr algn="ctr"/>
+            <a:r>
+              <a:rPr lang="ru-RU" sz="1500" b="1" dirty="0"/>
+              <a:t>Поток чата </a:t>
+            </a:r>
+            <a:r>
+              <a:rPr lang="en-US" sz="1500" b="1" dirty="0"/>
+              <a:t>n</a:t>
+            </a:r>
+          </a:p>
+        </p:txBody>
+      </p:sp>
+      <p:sp>
+        <p:nvSpPr>
+          <p:cNvPr id="9" name="TextBox 8">
+            <a:extLst>
+              <a:ext uri="{FF2B5EF4-FFF2-40B4-BE49-F238E27FC236}">
+                <a16:creationId xmlns:a16="http://schemas.microsoft.com/office/drawing/2014/main" id="{162AFF09-4170-A037-2380-2DA1DA3A6A9E}"/>
+              </a:ext>
+            </a:extLst>
+          </p:cNvPr>
+          <p:cNvSpPr txBox="1"/>
+          <p:nvPr/>
+        </p:nvSpPr>
+        <p:spPr>
+          <a:xfrm>
+            <a:off x="5778601" y="1471378"/>
+            <a:ext cx="1513450" cy="1384995"/>
+          </a:xfrm>
+          <a:prstGeom prst="rect">
+            <a:avLst/>
+          </a:prstGeom>
+          <a:solidFill>
+            <a:schemeClr val="bg1"/>
+          </a:solidFill>
+        </p:spPr>
+        <p:txBody>
+          <a:bodyPr wrap="square" rtlCol="0">
+            <a:spAutoFit/>
+          </a:bodyPr>
+          <a:lstStyle/>
+          <a:p>
+            <a:pPr algn="ctr"/>
+            <a:r>
+              <a:rPr lang="ru-RU" sz="1200" b="1" dirty="0"/>
+              <a:t>Запускает на необходимое время в случае отсутствия нужного потока чата и передает пользователя</a:t>
+            </a:r>
+            <a:endParaRPr lang="en-US" sz="1200" b="1" dirty="0"/>
+          </a:p>
+        </p:txBody>
+      </p:sp>
+      <p:sp>
+        <p:nvSpPr>
+          <p:cNvPr id="10" name="TextBox 9">
+            <a:extLst>
+              <a:ext uri="{FF2B5EF4-FFF2-40B4-BE49-F238E27FC236}">
+                <a16:creationId xmlns:a16="http://schemas.microsoft.com/office/drawing/2014/main" id="{0E027C2B-FBED-234F-6078-638CD3C38EF5}"/>
+              </a:ext>
+            </a:extLst>
+          </p:cNvPr>
+          <p:cNvSpPr txBox="1"/>
+          <p:nvPr/>
+        </p:nvSpPr>
+        <p:spPr>
+          <a:xfrm>
+            <a:off x="5823483" y="3527650"/>
+            <a:ext cx="1423686" cy="830997"/>
+          </a:xfrm>
+          <a:prstGeom prst="rect">
+            <a:avLst/>
+          </a:prstGeom>
+          <a:solidFill>
+            <a:schemeClr val="bg1"/>
+          </a:solidFill>
+        </p:spPr>
+        <p:txBody>
+          <a:bodyPr wrap="square" rtlCol="0">
+            <a:spAutoFit/>
+          </a:bodyPr>
+          <a:lstStyle/>
+          <a:p>
+            <a:pPr algn="ctr"/>
+            <a:r>
+              <a:rPr lang="ru-RU" sz="1200" b="1" dirty="0"/>
+              <a:t>Возвращает пользователя при отключении от чата</a:t>
+            </a:r>
+            <a:endParaRPr lang="en-US" sz="1200" b="1" dirty="0"/>
+          </a:p>
+        </p:txBody>
+      </p:sp>
+      <p:sp>
+        <p:nvSpPr>
+          <p:cNvPr id="11" name="TextBox 10">
+            <a:extLst>
+              <a:ext uri="{FF2B5EF4-FFF2-40B4-BE49-F238E27FC236}">
+                <a16:creationId xmlns:a16="http://schemas.microsoft.com/office/drawing/2014/main" id="{77C12396-22E8-B1EF-5382-50AA45BDBF74}"/>
+              </a:ext>
+            </a:extLst>
+          </p:cNvPr>
+          <p:cNvSpPr txBox="1"/>
+          <p:nvPr/>
+        </p:nvSpPr>
+        <p:spPr>
+          <a:xfrm>
+            <a:off x="8199126" y="1840710"/>
+            <a:ext cx="1423686" cy="646331"/>
+          </a:xfrm>
+          <a:prstGeom prst="rect">
+            <a:avLst/>
+          </a:prstGeom>
+          <a:solidFill>
+            <a:schemeClr val="bg1"/>
+          </a:solidFill>
+        </p:spPr>
+        <p:txBody>
+          <a:bodyPr wrap="square" rtlCol="0">
+            <a:spAutoFit/>
+          </a:bodyPr>
+          <a:lstStyle/>
+          <a:p>
+            <a:pPr algn="ctr"/>
+            <a:r>
+              <a:rPr lang="ru-RU" sz="1200" b="1" dirty="0"/>
+              <a:t>Чат удаляется при отсутствии пользователей</a:t>
+            </a:r>
+            <a:endParaRPr lang="en-US" sz="1200" b="1" dirty="0"/>
+          </a:p>
+        </p:txBody>
+      </p:sp>
+      <p:sp>
+        <p:nvSpPr>
+          <p:cNvPr id="12" name="TextBox 11">
+            <a:extLst>
+              <a:ext uri="{FF2B5EF4-FFF2-40B4-BE49-F238E27FC236}">
+                <a16:creationId xmlns:a16="http://schemas.microsoft.com/office/drawing/2014/main" id="{669B4239-FE38-E619-FF39-0E40A5C96EF9}"/>
+              </a:ext>
+            </a:extLst>
+          </p:cNvPr>
+          <p:cNvSpPr txBox="1"/>
+          <p:nvPr/>
+        </p:nvSpPr>
+        <p:spPr>
+          <a:xfrm>
+            <a:off x="3505449" y="4941690"/>
+            <a:ext cx="1423686" cy="646331"/>
+          </a:xfrm>
+          <a:prstGeom prst="rect">
+            <a:avLst/>
+          </a:prstGeom>
+          <a:solidFill>
+            <a:schemeClr val="bg1"/>
+          </a:solidFill>
+        </p:spPr>
+        <p:txBody>
+          <a:bodyPr wrap="square" rtlCol="0">
+            <a:spAutoFit/>
+          </a:bodyPr>
+          <a:lstStyle/>
+          <a:p>
+            <a:pPr algn="ctr"/>
+            <a:r>
+              <a:rPr lang="ru-RU" sz="1200" b="1" dirty="0"/>
+              <a:t>Передача отключившегося пользователя</a:t>
+            </a:r>
+            <a:endParaRPr lang="en-US" sz="1200" b="1" dirty="0"/>
+          </a:p>
+        </p:txBody>
+      </p:sp>
+      <p:sp>
+        <p:nvSpPr>
+          <p:cNvPr id="13" name="TextBox 12">
+            <a:extLst>
+              <a:ext uri="{FF2B5EF4-FFF2-40B4-BE49-F238E27FC236}">
+                <a16:creationId xmlns:a16="http://schemas.microsoft.com/office/drawing/2014/main" id="{1EBF5348-7B4A-0EAD-A576-F2A00B777734}"/>
+              </a:ext>
+            </a:extLst>
+          </p:cNvPr>
+          <p:cNvSpPr txBox="1"/>
+          <p:nvPr/>
+        </p:nvSpPr>
+        <p:spPr>
+          <a:xfrm>
+            <a:off x="5470441" y="4941690"/>
+            <a:ext cx="1423686" cy="646331"/>
+          </a:xfrm>
+          <a:prstGeom prst="rect">
+            <a:avLst/>
+          </a:prstGeom>
+          <a:solidFill>
+            <a:schemeClr val="bg1"/>
+          </a:solidFill>
+        </p:spPr>
+        <p:txBody>
+          <a:bodyPr wrap="square" rtlCol="0">
+            <a:spAutoFit/>
+          </a:bodyPr>
+          <a:lstStyle/>
+          <a:p>
+            <a:pPr algn="ctr"/>
+            <a:r>
+              <a:rPr lang="ru-RU" sz="1200" b="1" dirty="0"/>
+              <a:t>Передача отключившегося пользователя</a:t>
+            </a:r>
+            <a:endParaRPr lang="en-US" sz="1200" b="1" dirty="0"/>
+          </a:p>
+        </p:txBody>
+      </p:sp>
+      <p:sp>
+        <p:nvSpPr>
+          <p:cNvPr id="14" name="TextBox 13">
+            <a:extLst>
+              <a:ext uri="{FF2B5EF4-FFF2-40B4-BE49-F238E27FC236}">
+                <a16:creationId xmlns:a16="http://schemas.microsoft.com/office/drawing/2014/main" id="{FDB8013E-40EA-E20B-6CA3-0A730D83F69F}"/>
+              </a:ext>
+            </a:extLst>
+          </p:cNvPr>
+          <p:cNvSpPr txBox="1"/>
+          <p:nvPr/>
+        </p:nvSpPr>
+        <p:spPr>
+          <a:xfrm>
+            <a:off x="7785730" y="4941690"/>
+            <a:ext cx="1423686" cy="646331"/>
+          </a:xfrm>
+          <a:prstGeom prst="rect">
+            <a:avLst/>
+          </a:prstGeom>
+          <a:solidFill>
+            <a:schemeClr val="bg1"/>
+          </a:solidFill>
+        </p:spPr>
+        <p:txBody>
+          <a:bodyPr wrap="square" rtlCol="0">
+            <a:spAutoFit/>
+          </a:bodyPr>
+          <a:lstStyle/>
+          <a:p>
+            <a:pPr algn="ctr"/>
+            <a:r>
+              <a:rPr lang="ru-RU" sz="1200" b="1" dirty="0"/>
+              <a:t>Передача отключившегося пользователя</a:t>
+            </a:r>
+            <a:endParaRPr lang="en-US" sz="1200" b="1" dirty="0"/>
+          </a:p>
+        </p:txBody>
+      </p:sp>
+      <p:sp>
+        <p:nvSpPr>
+          <p:cNvPr id="15" name="TextBox 14">
+            <a:extLst>
+              <a:ext uri="{FF2B5EF4-FFF2-40B4-BE49-F238E27FC236}">
+                <a16:creationId xmlns:a16="http://schemas.microsoft.com/office/drawing/2014/main" id="{A8B378FA-2C4E-72F7-2C61-949CFE1E4EE2}"/>
+              </a:ext>
+            </a:extLst>
+          </p:cNvPr>
+          <p:cNvSpPr txBox="1"/>
+          <p:nvPr/>
+        </p:nvSpPr>
+        <p:spPr>
+          <a:xfrm>
+            <a:off x="3844293" y="2320467"/>
+            <a:ext cx="1143000" cy="461665"/>
+          </a:xfrm>
+          <a:prstGeom prst="rect">
+            <a:avLst/>
+          </a:prstGeom>
+          <a:solidFill>
+            <a:schemeClr val="bg1"/>
+          </a:solidFill>
+        </p:spPr>
+        <p:txBody>
+          <a:bodyPr wrap="square" rtlCol="0">
+            <a:spAutoFit/>
+          </a:bodyPr>
+          <a:lstStyle/>
+          <a:p>
+            <a:pPr algn="ctr"/>
+            <a:endParaRPr lang="ru-RU" sz="1200" b="1" dirty="0"/>
+          </a:p>
+          <a:p>
+            <a:pPr algn="ctr"/>
+            <a:endParaRPr lang="ru-RU" sz="1200" b="1" dirty="0"/>
+          </a:p>
+        </p:txBody>
+      </p:sp>
+      <p:sp>
+        <p:nvSpPr>
+          <p:cNvPr id="8" name="TextBox 7">
+            <a:extLst>
+              <a:ext uri="{FF2B5EF4-FFF2-40B4-BE49-F238E27FC236}">
+                <a16:creationId xmlns:a16="http://schemas.microsoft.com/office/drawing/2014/main" id="{6BD4A043-6627-F78A-D7D3-6A5A8772C399}"/>
+              </a:ext>
+            </a:extLst>
+          </p:cNvPr>
+          <p:cNvSpPr txBox="1"/>
+          <p:nvPr/>
+        </p:nvSpPr>
+        <p:spPr>
+          <a:xfrm>
+            <a:off x="3852672" y="1840710"/>
+            <a:ext cx="1188720" cy="1015663"/>
+          </a:xfrm>
+          <a:prstGeom prst="rect">
+            <a:avLst/>
+          </a:prstGeom>
+          <a:noFill/>
+        </p:spPr>
+        <p:txBody>
+          <a:bodyPr wrap="square" rtlCol="0">
+            <a:spAutoFit/>
+          </a:bodyPr>
+          <a:lstStyle/>
+          <a:p>
+            <a:pPr algn="ctr"/>
+            <a:r>
+              <a:rPr lang="ru-RU" sz="1200" b="1" dirty="0"/>
+              <a:t>После бронирования имени передает пользователя</a:t>
+            </a:r>
+            <a:endParaRPr lang="en-US" sz="1200" b="1" dirty="0"/>
           </a:p>
         </p:txBody>
       </p:sp>
@@ -26707,6 +27137,327 @@
               <a:t>5</a:t>
             </a:fld>
             <a:endParaRPr lang="en-US"/>
+          </a:p>
+        </p:txBody>
+      </p:sp>
+      <p:sp>
+        <p:nvSpPr>
+          <p:cNvPr id="5" name="TextBox 4">
+            <a:extLst>
+              <a:ext uri="{FF2B5EF4-FFF2-40B4-BE49-F238E27FC236}">
+                <a16:creationId xmlns:a16="http://schemas.microsoft.com/office/drawing/2014/main" id="{C5F8F052-2BD6-7850-0660-146604993C9B}"/>
+              </a:ext>
+            </a:extLst>
+          </p:cNvPr>
+          <p:cNvSpPr txBox="1"/>
+          <p:nvPr/>
+        </p:nvSpPr>
+        <p:spPr>
+          <a:xfrm>
+            <a:off x="2206381" y="2279513"/>
+            <a:ext cx="1423686" cy="584775"/>
+          </a:xfrm>
+          <a:prstGeom prst="rect">
+            <a:avLst/>
+          </a:prstGeom>
+          <a:solidFill>
+            <a:schemeClr val="bg1"/>
+          </a:solidFill>
+        </p:spPr>
+        <p:txBody>
+          <a:bodyPr wrap="square" rtlCol="0">
+            <a:spAutoFit/>
+          </a:bodyPr>
+          <a:lstStyle/>
+          <a:p>
+            <a:pPr algn="ctr"/>
+            <a:r>
+              <a:rPr lang="ru-RU" sz="1600" b="1" dirty="0"/>
+              <a:t>Новое подключение</a:t>
+            </a:r>
+            <a:endParaRPr lang="en-US" sz="1600" b="1" dirty="0"/>
+          </a:p>
+        </p:txBody>
+      </p:sp>
+      <p:sp>
+        <p:nvSpPr>
+          <p:cNvPr id="6" name="TextBox 5">
+            <a:extLst>
+              <a:ext uri="{FF2B5EF4-FFF2-40B4-BE49-F238E27FC236}">
+                <a16:creationId xmlns:a16="http://schemas.microsoft.com/office/drawing/2014/main" id="{1DA764D8-E293-23F3-EF51-593FCAC987DD}"/>
+              </a:ext>
+            </a:extLst>
+          </p:cNvPr>
+          <p:cNvSpPr txBox="1"/>
+          <p:nvPr/>
+        </p:nvSpPr>
+        <p:spPr>
+          <a:xfrm>
+            <a:off x="5078503" y="2279513"/>
+            <a:ext cx="1880812" cy="584775"/>
+          </a:xfrm>
+          <a:prstGeom prst="rect">
+            <a:avLst/>
+          </a:prstGeom>
+          <a:solidFill>
+            <a:schemeClr val="bg1"/>
+          </a:solidFill>
+        </p:spPr>
+        <p:txBody>
+          <a:bodyPr wrap="square" rtlCol="0">
+            <a:spAutoFit/>
+          </a:bodyPr>
+          <a:lstStyle/>
+          <a:p>
+            <a:pPr algn="ctr"/>
+            <a:r>
+              <a:rPr lang="ru-RU" sz="1600" b="1" dirty="0"/>
+              <a:t>Создает новый объект корутины</a:t>
+            </a:r>
+            <a:endParaRPr lang="en-US" sz="1600" b="1" dirty="0"/>
+          </a:p>
+        </p:txBody>
+      </p:sp>
+      <p:sp>
+        <p:nvSpPr>
+          <p:cNvPr id="7" name="TextBox 6">
+            <a:extLst>
+              <a:ext uri="{FF2B5EF4-FFF2-40B4-BE49-F238E27FC236}">
+                <a16:creationId xmlns:a16="http://schemas.microsoft.com/office/drawing/2014/main" id="{05E7C668-004F-533F-FEA2-89532F2A2E04}"/>
+              </a:ext>
+            </a:extLst>
+          </p:cNvPr>
+          <p:cNvSpPr txBox="1"/>
+          <p:nvPr/>
+        </p:nvSpPr>
+        <p:spPr>
+          <a:xfrm>
+            <a:off x="3893285" y="2562646"/>
+            <a:ext cx="1040245" cy="584775"/>
+          </a:xfrm>
+          <a:prstGeom prst="rect">
+            <a:avLst/>
+          </a:prstGeom>
+          <a:solidFill>
+            <a:schemeClr val="bg1"/>
+          </a:solidFill>
+        </p:spPr>
+        <p:txBody>
+          <a:bodyPr wrap="square" rtlCol="0">
+            <a:spAutoFit/>
+          </a:bodyPr>
+          <a:lstStyle/>
+          <a:p>
+            <a:pPr algn="ctr"/>
+            <a:r>
+              <a:rPr lang="ru-RU" sz="1600" b="1" dirty="0"/>
+              <a:t>Класс сервера</a:t>
+            </a:r>
+            <a:endParaRPr lang="en-US" sz="1600" b="1" dirty="0"/>
+          </a:p>
+        </p:txBody>
+      </p:sp>
+      <p:sp>
+        <p:nvSpPr>
+          <p:cNvPr id="8" name="TextBox 7">
+            <a:extLst>
+              <a:ext uri="{FF2B5EF4-FFF2-40B4-BE49-F238E27FC236}">
+                <a16:creationId xmlns:a16="http://schemas.microsoft.com/office/drawing/2014/main" id="{442FFC05-F9DB-FB83-355D-88B9433F753E}"/>
+              </a:ext>
+            </a:extLst>
+          </p:cNvPr>
+          <p:cNvSpPr txBox="1"/>
+          <p:nvPr/>
+        </p:nvSpPr>
+        <p:spPr>
+          <a:xfrm>
+            <a:off x="7221286" y="2685756"/>
+            <a:ext cx="1040245" cy="338554"/>
+          </a:xfrm>
+          <a:prstGeom prst="rect">
+            <a:avLst/>
+          </a:prstGeom>
+          <a:solidFill>
+            <a:schemeClr val="bg1"/>
+          </a:solidFill>
+        </p:spPr>
+        <p:txBody>
+          <a:bodyPr wrap="square" rtlCol="0">
+            <a:spAutoFit/>
+          </a:bodyPr>
+          <a:lstStyle/>
+          <a:p>
+            <a:pPr algn="ctr"/>
+            <a:r>
+              <a:rPr lang="ru-RU" sz="1600" b="1" dirty="0"/>
+              <a:t>Сессия</a:t>
+            </a:r>
+            <a:endParaRPr lang="en-US" sz="1600" b="1" dirty="0"/>
+          </a:p>
+        </p:txBody>
+      </p:sp>
+      <p:sp>
+        <p:nvSpPr>
+          <p:cNvPr id="9" name="TextBox 8">
+            <a:extLst>
+              <a:ext uri="{FF2B5EF4-FFF2-40B4-BE49-F238E27FC236}">
+                <a16:creationId xmlns:a16="http://schemas.microsoft.com/office/drawing/2014/main" id="{C0E4B700-4112-FAFB-924B-B1DC7CC6D773}"/>
+              </a:ext>
+            </a:extLst>
+          </p:cNvPr>
+          <p:cNvSpPr txBox="1"/>
+          <p:nvPr/>
+        </p:nvSpPr>
+        <p:spPr>
+          <a:xfrm>
+            <a:off x="3811735" y="5433973"/>
+            <a:ext cx="1188720" cy="1097280"/>
+          </a:xfrm>
+          <a:prstGeom prst="rect">
+            <a:avLst/>
+          </a:prstGeom>
+          <a:solidFill>
+            <a:schemeClr val="bg1"/>
+          </a:solidFill>
+          <a:ln w="12700">
+            <a:solidFill>
+              <a:schemeClr val="tx1"/>
+            </a:solidFill>
+          </a:ln>
+        </p:spPr>
+        <p:txBody>
+          <a:bodyPr wrap="square" rtlCol="0">
+            <a:spAutoFit/>
+          </a:bodyPr>
+          <a:lstStyle/>
+          <a:p>
+            <a:pPr algn="ctr"/>
+            <a:endParaRPr lang="ru-RU" sz="1400" b="1" dirty="0"/>
+          </a:p>
+          <a:p>
+            <a:pPr algn="ctr"/>
+            <a:r>
+              <a:rPr lang="ru-RU" sz="1400" b="1" dirty="0"/>
+              <a:t>Класс менеджера чатов</a:t>
+            </a:r>
+            <a:endParaRPr lang="en-US" sz="1400" b="1" dirty="0"/>
+          </a:p>
+        </p:txBody>
+      </p:sp>
+      <p:sp>
+        <p:nvSpPr>
+          <p:cNvPr id="10" name="TextBox 9">
+            <a:extLst>
+              <a:ext uri="{FF2B5EF4-FFF2-40B4-BE49-F238E27FC236}">
+                <a16:creationId xmlns:a16="http://schemas.microsoft.com/office/drawing/2014/main" id="{01604C71-27B1-BDB7-80E2-F9F474F23525}"/>
+              </a:ext>
+            </a:extLst>
+          </p:cNvPr>
+          <p:cNvSpPr txBox="1"/>
+          <p:nvPr/>
+        </p:nvSpPr>
+        <p:spPr>
+          <a:xfrm>
+            <a:off x="4462718" y="4862059"/>
+            <a:ext cx="941624" cy="523220"/>
+          </a:xfrm>
+          <a:prstGeom prst="rect">
+            <a:avLst/>
+          </a:prstGeom>
+          <a:solidFill>
+            <a:schemeClr val="bg1"/>
+          </a:solidFill>
+        </p:spPr>
+        <p:txBody>
+          <a:bodyPr wrap="square" rtlCol="0">
+            <a:spAutoFit/>
+          </a:bodyPr>
+          <a:lstStyle/>
+          <a:p>
+            <a:pPr algn="ctr"/>
+            <a:r>
+              <a:rPr lang="ru-RU" sz="1400" b="1" dirty="0"/>
+              <a:t>Хранит объект</a:t>
+            </a:r>
+            <a:endParaRPr lang="en-US" sz="1400" b="1" dirty="0"/>
+          </a:p>
+        </p:txBody>
+      </p:sp>
+      <p:sp>
+        <p:nvSpPr>
+          <p:cNvPr id="11" name="TextBox 10">
+            <a:extLst>
+              <a:ext uri="{FF2B5EF4-FFF2-40B4-BE49-F238E27FC236}">
+                <a16:creationId xmlns:a16="http://schemas.microsoft.com/office/drawing/2014/main" id="{9B66C2CC-82CF-A2E1-4A9E-F3C67936CFE7}"/>
+              </a:ext>
+            </a:extLst>
+          </p:cNvPr>
+          <p:cNvSpPr txBox="1"/>
+          <p:nvPr/>
+        </p:nvSpPr>
+        <p:spPr>
+          <a:xfrm>
+            <a:off x="5396721" y="5111458"/>
+            <a:ext cx="1970071" cy="584775"/>
+          </a:xfrm>
+          <a:prstGeom prst="rect">
+            <a:avLst/>
+          </a:prstGeom>
+          <a:solidFill>
+            <a:schemeClr val="bg1"/>
+          </a:solidFill>
+        </p:spPr>
+        <p:txBody>
+          <a:bodyPr wrap="square" rtlCol="0">
+            <a:spAutoFit/>
+          </a:bodyPr>
+          <a:lstStyle/>
+          <a:p>
+            <a:pPr algn="ctr"/>
+            <a:r>
+              <a:rPr lang="ru-RU" sz="1600" b="1" dirty="0"/>
+              <a:t>Запрашивает доступ к данным</a:t>
+            </a:r>
+            <a:endParaRPr lang="en-US" sz="1600" b="1" dirty="0"/>
+          </a:p>
+        </p:txBody>
+      </p:sp>
+      <p:sp>
+        <p:nvSpPr>
+          <p:cNvPr id="12" name="TextBox 11">
+            <a:extLst>
+              <a:ext uri="{FF2B5EF4-FFF2-40B4-BE49-F238E27FC236}">
+                <a16:creationId xmlns:a16="http://schemas.microsoft.com/office/drawing/2014/main" id="{78199457-C152-D03A-3B2F-9D06A6836550}"/>
+              </a:ext>
+            </a:extLst>
+          </p:cNvPr>
+          <p:cNvSpPr txBox="1"/>
+          <p:nvPr/>
+        </p:nvSpPr>
+        <p:spPr>
+          <a:xfrm>
+            <a:off x="5203303" y="6263488"/>
+            <a:ext cx="2932665" cy="584775"/>
+          </a:xfrm>
+          <a:prstGeom prst="rect">
+            <a:avLst/>
+          </a:prstGeom>
+          <a:solidFill>
+            <a:schemeClr val="bg1"/>
+          </a:solidFill>
+        </p:spPr>
+        <p:txBody>
+          <a:bodyPr wrap="square" rtlCol="0">
+            <a:spAutoFit/>
+          </a:bodyPr>
+          <a:lstStyle/>
+          <a:p>
+            <a:pPr algn="ctr"/>
+            <a:r>
+              <a:rPr lang="ru-RU" sz="1600" b="1" dirty="0"/>
+              <a:t>Обрабатывает запрос с синхронизацией</a:t>
+            </a:r>
+            <a:endParaRPr lang="en-US" sz="1600" b="1" dirty="0"/>
           </a:p>
         </p:txBody>
       </p:sp>

--- a/ВКР_Колодяжный_Презентация.pptx
+++ b/ВКР_Колодяжный_Презентация.pptx
@@ -26998,6 +26998,45 @@
           </a:p>
         </p:txBody>
       </p:sp>
+      <p:sp>
+        <p:nvSpPr>
+          <p:cNvPr id="16" name="TextBox 15">
+            <a:extLst>
+              <a:ext uri="{FF2B5EF4-FFF2-40B4-BE49-F238E27FC236}">
+                <a16:creationId xmlns:a16="http://schemas.microsoft.com/office/drawing/2014/main" id="{3BB0C6FE-1CED-F055-62E0-D779991A0200}"/>
+              </a:ext>
+            </a:extLst>
+          </p:cNvPr>
+          <p:cNvSpPr txBox="1"/>
+          <p:nvPr/>
+        </p:nvSpPr>
+        <p:spPr>
+          <a:xfrm>
+            <a:off x="3669052" y="6116350"/>
+            <a:ext cx="3542703" cy="338554"/>
+          </a:xfrm>
+          <a:prstGeom prst="rect">
+            <a:avLst/>
+          </a:prstGeom>
+          <a:solidFill>
+            <a:schemeClr val="bg1"/>
+          </a:solidFill>
+        </p:spPr>
+        <p:txBody>
+          <a:bodyPr wrap="square" rtlCol="0">
+            <a:spAutoFit/>
+          </a:bodyPr>
+          <a:lstStyle/>
+          <a:p>
+            <a:pPr algn="ctr"/>
+            <a:r>
+              <a:rPr lang="ru-RU" sz="1600" b="1" dirty="0"/>
+              <a:t>Поток удаления пользователя</a:t>
+            </a:r>
+            <a:endParaRPr lang="en-US" sz="1600" b="1" dirty="0"/>
+          </a:p>
+        </p:txBody>
+      </p:sp>
     </p:spTree>
     <p:extLst>
       <p:ext uri="{BB962C8B-B14F-4D97-AF65-F5344CB8AC3E}">
